--- a/doc/Files_to_Submit_A/presentation.pptx
+++ b/doc/Files_to_Submit_A/presentation.pptx
@@ -111,7 +111,16 @@
       </a:defRPr>
     </a:lvl9pPr>
   </p:defaultTextStyle>
+  <p:extLst>
+    <p:ext uri="{EFAFB233-063F-42B5-8137-9DF3F51BA10A}">
+      <p15:sldGuideLst xmlns:p15="http://schemas.microsoft.com/office/powerpoint/2012/main"/>
+    </p:ext>
+  </p:extLst>
 </p:presentation>
+</file>
+
+<file path=ppt/revisionInfo.xml><?xml version="1.0" encoding="utf-8"?>
+<p1510:revInfo xmlns:a="http://schemas.openxmlformats.org/drawingml/2006/main" xmlns:r="http://schemas.openxmlformats.org/officeDocument/2006/relationships" xmlns:p1510="http://schemas.microsoft.com/office/powerpoint/2015/10/main"/>
 </file>
 
 <file path=ppt/slideLayouts/slideLayout1.xml><?xml version="1.0" encoding="utf-8"?>
@@ -171,7 +180,7 @@
           <a:noFill/>
           <a:extLst>
             <a:ext uri="{909E8E84-426E-40dd-AFC4-6F175D3DCCD1}">
-              <a14:hiddenFill xmlns:a14="http://schemas.microsoft.com/office/drawing/2010/main" xmlns="">
+              <a14:hiddenFill xmlns="" xmlns:a14="http://schemas.microsoft.com/office/drawing/2010/main">
                 <a:solidFill>
                   <a:srgbClr val="FFFFFF"/>
                 </a:solidFill>
@@ -231,7 +240,7 @@
             </a:ln>
             <a:extLst>
               <a:ext uri="{91240B29-F687-4f45-9708-019B960494DF}">
-                <a14:hiddenLine xmlns:a14="http://schemas.microsoft.com/office/drawing/2010/main" xmlns="" w="9525">
+                <a14:hiddenLine xmlns="" xmlns:a14="http://schemas.microsoft.com/office/drawing/2010/main" w="9525">
                   <a:solidFill>
                     <a:srgbClr val="000000"/>
                   </a:solidFill>
@@ -321,7 +330,7 @@
             </a:ln>
             <a:extLst>
               <a:ext uri="{91240B29-F687-4f45-9708-019B960494DF}">
-                <a14:hiddenLine xmlns:a14="http://schemas.microsoft.com/office/drawing/2010/main" xmlns="" w="9525">
+                <a14:hiddenLine xmlns="" xmlns:a14="http://schemas.microsoft.com/office/drawing/2010/main" w="9525">
                   <a:solidFill>
                     <a:srgbClr val="000000"/>
                   </a:solidFill>
@@ -411,7 +420,7 @@
             </a:ln>
             <a:extLst>
               <a:ext uri="{91240B29-F687-4f45-9708-019B960494DF}">
-                <a14:hiddenLine xmlns:a14="http://schemas.microsoft.com/office/drawing/2010/main" xmlns="" w="9525">
+                <a14:hiddenLine xmlns="" xmlns:a14="http://schemas.microsoft.com/office/drawing/2010/main" w="9525">
                   <a:solidFill>
                     <a:srgbClr val="000000"/>
                   </a:solidFill>
@@ -445,7 +454,7 @@
             </a:ln>
             <a:extLst>
               <a:ext uri="{91240B29-F687-4f45-9708-019B960494DF}">
-                <a14:hiddenLine xmlns:a14="http://schemas.microsoft.com/office/drawing/2010/main" xmlns="" w="9525">
+                <a14:hiddenLine xmlns="" xmlns:a14="http://schemas.microsoft.com/office/drawing/2010/main" w="9525">
                   <a:solidFill>
                     <a:srgbClr val="000000"/>
                   </a:solidFill>
@@ -535,7 +544,7 @@
             </a:ln>
             <a:extLst>
               <a:ext uri="{91240B29-F687-4f45-9708-019B960494DF}">
-                <a14:hiddenLine xmlns:a14="http://schemas.microsoft.com/office/drawing/2010/main" xmlns="" w="9525">
+                <a14:hiddenLine xmlns="" xmlns:a14="http://schemas.microsoft.com/office/drawing/2010/main" w="9525">
                   <a:solidFill>
                     <a:srgbClr val="000000"/>
                   </a:solidFill>
@@ -597,7 +606,7 @@
             </a:ln>
             <a:extLst>
               <a:ext uri="{91240B29-F687-4f45-9708-019B960494DF}">
-                <a14:hiddenLine xmlns:a14="http://schemas.microsoft.com/office/drawing/2010/main" xmlns="" w="9525">
+                <a14:hiddenLine xmlns="" xmlns:a14="http://schemas.microsoft.com/office/drawing/2010/main" w="9525">
                   <a:solidFill>
                     <a:srgbClr val="000000"/>
                   </a:solidFill>
@@ -659,7 +668,7 @@
             </a:ln>
             <a:extLst>
               <a:ext uri="{91240B29-F687-4f45-9708-019B960494DF}">
-                <a14:hiddenLine xmlns:a14="http://schemas.microsoft.com/office/drawing/2010/main" xmlns="" w="9525">
+                <a14:hiddenLine xmlns="" xmlns:a14="http://schemas.microsoft.com/office/drawing/2010/main" w="9525">
                   <a:solidFill>
                     <a:srgbClr val="000000"/>
                   </a:solidFill>
@@ -749,7 +758,7 @@
             </a:ln>
             <a:extLst>
               <a:ext uri="{91240B29-F687-4f45-9708-019B960494DF}">
-                <a14:hiddenLine xmlns:a14="http://schemas.microsoft.com/office/drawing/2010/main" xmlns="" w="9525">
+                <a14:hiddenLine xmlns="" xmlns:a14="http://schemas.microsoft.com/office/drawing/2010/main" w="9525">
                   <a:solidFill>
                     <a:srgbClr val="000000"/>
                   </a:solidFill>
@@ -811,7 +820,7 @@
             </a:ln>
             <a:extLst>
               <a:ext uri="{91240B29-F687-4f45-9708-019B960494DF}">
-                <a14:hiddenLine xmlns:a14="http://schemas.microsoft.com/office/drawing/2010/main" xmlns="" w="9525">
+                <a14:hiddenLine xmlns="" xmlns:a14="http://schemas.microsoft.com/office/drawing/2010/main" w="9525">
                   <a:solidFill>
                     <a:srgbClr val="000000"/>
                   </a:solidFill>
@@ -873,7 +882,7 @@
             </a:ln>
             <a:extLst>
               <a:ext uri="{91240B29-F687-4f45-9708-019B960494DF}">
-                <a14:hiddenLine xmlns:a14="http://schemas.microsoft.com/office/drawing/2010/main" xmlns="" w="9525">
+                <a14:hiddenLine xmlns="" xmlns:a14="http://schemas.microsoft.com/office/drawing/2010/main" w="9525">
                   <a:solidFill>
                     <a:srgbClr val="000000"/>
                   </a:solidFill>
@@ -963,7 +972,7 @@
             </a:ln>
             <a:extLst>
               <a:ext uri="{91240B29-F687-4f45-9708-019B960494DF}">
-                <a14:hiddenLine xmlns:a14="http://schemas.microsoft.com/office/drawing/2010/main" xmlns="" w="9525">
+                <a14:hiddenLine xmlns="" xmlns:a14="http://schemas.microsoft.com/office/drawing/2010/main" w="9525">
                   <a:solidFill>
                     <a:srgbClr val="000000"/>
                   </a:solidFill>
@@ -1053,7 +1062,7 @@
             </a:ln>
             <a:extLst>
               <a:ext uri="{91240B29-F687-4f45-9708-019B960494DF}">
-                <a14:hiddenLine xmlns:a14="http://schemas.microsoft.com/office/drawing/2010/main" xmlns="" w="9525">
+                <a14:hiddenLine xmlns="" xmlns:a14="http://schemas.microsoft.com/office/drawing/2010/main" w="9525">
                   <a:solidFill>
                     <a:srgbClr val="000000"/>
                   </a:solidFill>
@@ -1115,7 +1124,7 @@
             </a:ln>
             <a:extLst>
               <a:ext uri="{91240B29-F687-4f45-9708-019B960494DF}">
-                <a14:hiddenLine xmlns:a14="http://schemas.microsoft.com/office/drawing/2010/main" xmlns="" w="9525">
+                <a14:hiddenLine xmlns="" xmlns:a14="http://schemas.microsoft.com/office/drawing/2010/main" w="9525">
                   <a:solidFill>
                     <a:srgbClr val="000000"/>
                   </a:solidFill>
@@ -1225,7 +1234,7 @@
             </a:ln>
             <a:extLst>
               <a:ext uri="{91240B29-F687-4f45-9708-019B960494DF}">
-                <a14:hiddenLine xmlns:a14="http://schemas.microsoft.com/office/drawing/2010/main" xmlns="" w="9525">
+                <a14:hiddenLine xmlns="" xmlns:a14="http://schemas.microsoft.com/office/drawing/2010/main" w="9525">
                   <a:solidFill>
                     <a:srgbClr val="000000"/>
                   </a:solidFill>
@@ -1287,7 +1296,7 @@
             </a:ln>
             <a:extLst>
               <a:ext uri="{91240B29-F687-4f45-9708-019B960494DF}">
-                <a14:hiddenLine xmlns:a14="http://schemas.microsoft.com/office/drawing/2010/main" xmlns="" w="9525">
+                <a14:hiddenLine xmlns="" xmlns:a14="http://schemas.microsoft.com/office/drawing/2010/main" w="9525">
                   <a:solidFill>
                     <a:srgbClr val="000000"/>
                   </a:solidFill>
@@ -1377,7 +1386,7 @@
             </a:ln>
             <a:extLst>
               <a:ext uri="{91240B29-F687-4f45-9708-019B960494DF}">
-                <a14:hiddenLine xmlns:a14="http://schemas.microsoft.com/office/drawing/2010/main" xmlns="" w="9525">
+                <a14:hiddenLine xmlns="" xmlns:a14="http://schemas.microsoft.com/office/drawing/2010/main" w="9525">
                   <a:solidFill>
                     <a:srgbClr val="000000"/>
                   </a:solidFill>
@@ -1467,7 +1476,7 @@
             </a:ln>
             <a:extLst>
               <a:ext uri="{91240B29-F687-4f45-9708-019B960494DF}">
-                <a14:hiddenLine xmlns:a14="http://schemas.microsoft.com/office/drawing/2010/main" xmlns="" w="9525">
+                <a14:hiddenLine xmlns="" xmlns:a14="http://schemas.microsoft.com/office/drawing/2010/main" w="9525">
                   <a:solidFill>
                     <a:srgbClr val="000000"/>
                   </a:solidFill>
@@ -1529,7 +1538,7 @@
             </a:ln>
             <a:extLst>
               <a:ext uri="{91240B29-F687-4f45-9708-019B960494DF}">
-                <a14:hiddenLine xmlns:a14="http://schemas.microsoft.com/office/drawing/2010/main" xmlns="" w="9525">
+                <a14:hiddenLine xmlns="" xmlns:a14="http://schemas.microsoft.com/office/drawing/2010/main" w="9525">
                   <a:solidFill>
                     <a:srgbClr val="000000"/>
                   </a:solidFill>
@@ -1619,7 +1628,7 @@
             </a:ln>
             <a:extLst>
               <a:ext uri="{91240B29-F687-4f45-9708-019B960494DF}">
-                <a14:hiddenLine xmlns:a14="http://schemas.microsoft.com/office/drawing/2010/main" xmlns="" w="9525">
+                <a14:hiddenLine xmlns="" xmlns:a14="http://schemas.microsoft.com/office/drawing/2010/main" w="9525">
                   <a:solidFill>
                     <a:srgbClr val="000000"/>
                   </a:solidFill>
@@ -1709,7 +1718,7 @@
             </a:ln>
             <a:extLst>
               <a:ext uri="{91240B29-F687-4f45-9708-019B960494DF}">
-                <a14:hiddenLine xmlns:a14="http://schemas.microsoft.com/office/drawing/2010/main" xmlns="" w="9525">
+                <a14:hiddenLine xmlns="" xmlns:a14="http://schemas.microsoft.com/office/drawing/2010/main" w="9525">
                   <a:solidFill>
                     <a:srgbClr val="000000"/>
                   </a:solidFill>
@@ -1765,7 +1774,7 @@
             </a:ln>
             <a:extLst>
               <a:ext uri="{91240B29-F687-4f45-9708-019B960494DF}">
-                <a14:hiddenLine xmlns:a14="http://schemas.microsoft.com/office/drawing/2010/main" xmlns="" w="9525">
+                <a14:hiddenLine xmlns="" xmlns:a14="http://schemas.microsoft.com/office/drawing/2010/main" w="9525">
                   <a:solidFill>
                     <a:srgbClr val="000000"/>
                   </a:solidFill>
@@ -1855,7 +1864,7 @@
             </a:ln>
             <a:extLst>
               <a:ext uri="{91240B29-F687-4f45-9708-019B960494DF}">
-                <a14:hiddenLine xmlns:a14="http://schemas.microsoft.com/office/drawing/2010/main" xmlns="" w="9525">
+                <a14:hiddenLine xmlns="" xmlns:a14="http://schemas.microsoft.com/office/drawing/2010/main" w="9525">
                   <a:solidFill>
                     <a:srgbClr val="000000"/>
                   </a:solidFill>
@@ -1911,7 +1920,7 @@
             </a:ln>
             <a:extLst>
               <a:ext uri="{91240B29-F687-4f45-9708-019B960494DF}">
-                <a14:hiddenLine xmlns:a14="http://schemas.microsoft.com/office/drawing/2010/main" xmlns="" w="9525">
+                <a14:hiddenLine xmlns="" xmlns:a14="http://schemas.microsoft.com/office/drawing/2010/main" w="9525">
                   <a:solidFill>
                     <a:srgbClr val="000000"/>
                   </a:solidFill>
@@ -2001,7 +2010,7 @@
             </a:ln>
             <a:extLst>
               <a:ext uri="{91240B29-F687-4f45-9708-019B960494DF}">
-                <a14:hiddenLine xmlns:a14="http://schemas.microsoft.com/office/drawing/2010/main" xmlns="" w="9525">
+                <a14:hiddenLine xmlns="" xmlns:a14="http://schemas.microsoft.com/office/drawing/2010/main" w="9525">
                   <a:solidFill>
                     <a:srgbClr val="000000"/>
                   </a:solidFill>
@@ -2069,7 +2078,7 @@
             </a:ln>
             <a:extLst>
               <a:ext uri="{91240B29-F687-4f45-9708-019B960494DF}">
-                <a14:hiddenLine xmlns:a14="http://schemas.microsoft.com/office/drawing/2010/main" xmlns="" w="9525">
+                <a14:hiddenLine xmlns="" xmlns:a14="http://schemas.microsoft.com/office/drawing/2010/main" w="9525">
                   <a:solidFill>
                     <a:srgbClr val="000000"/>
                   </a:solidFill>
@@ -2159,7 +2168,7 @@
             </a:ln>
             <a:extLst>
               <a:ext uri="{91240B29-F687-4f45-9708-019B960494DF}">
-                <a14:hiddenLine xmlns:a14="http://schemas.microsoft.com/office/drawing/2010/main" xmlns="" w="9525">
+                <a14:hiddenLine xmlns="" xmlns:a14="http://schemas.microsoft.com/office/drawing/2010/main" w="9525">
                   <a:solidFill>
                     <a:srgbClr val="000000"/>
                   </a:solidFill>
@@ -2227,7 +2236,7 @@
             </a:ln>
             <a:extLst>
               <a:ext uri="{91240B29-F687-4f45-9708-019B960494DF}">
-                <a14:hiddenLine xmlns:a14="http://schemas.microsoft.com/office/drawing/2010/main" xmlns="" w="9525">
+                <a14:hiddenLine xmlns="" xmlns:a14="http://schemas.microsoft.com/office/drawing/2010/main" w="9525">
                   <a:solidFill>
                     <a:srgbClr val="000000"/>
                   </a:solidFill>
@@ -2317,7 +2326,7 @@
             </a:ln>
             <a:extLst>
               <a:ext uri="{91240B29-F687-4f45-9708-019B960494DF}">
-                <a14:hiddenLine xmlns:a14="http://schemas.microsoft.com/office/drawing/2010/main" xmlns="" w="9525">
+                <a14:hiddenLine xmlns="" xmlns:a14="http://schemas.microsoft.com/office/drawing/2010/main" w="9525">
                   <a:solidFill>
                     <a:srgbClr val="000000"/>
                   </a:solidFill>
@@ -2351,7 +2360,7 @@
             </a:ln>
             <a:extLst>
               <a:ext uri="{91240B29-F687-4f45-9708-019B960494DF}">
-                <a14:hiddenLine xmlns:a14="http://schemas.microsoft.com/office/drawing/2010/main" xmlns="" w="9525">
+                <a14:hiddenLine xmlns="" xmlns:a14="http://schemas.microsoft.com/office/drawing/2010/main" w="9525">
                   <a:solidFill>
                     <a:srgbClr val="000000"/>
                   </a:solidFill>
@@ -2441,7 +2450,7 @@
             </a:ln>
             <a:extLst>
               <a:ext uri="{91240B29-F687-4f45-9708-019B960494DF}">
-                <a14:hiddenLine xmlns:a14="http://schemas.microsoft.com/office/drawing/2010/main" xmlns="" w="9525">
+                <a14:hiddenLine xmlns="" xmlns:a14="http://schemas.microsoft.com/office/drawing/2010/main" w="9525">
                   <a:solidFill>
                     <a:srgbClr val="000000"/>
                   </a:solidFill>
@@ -2503,7 +2512,7 @@
             </a:ln>
             <a:extLst>
               <a:ext uri="{91240B29-F687-4f45-9708-019B960494DF}">
-                <a14:hiddenLine xmlns:a14="http://schemas.microsoft.com/office/drawing/2010/main" xmlns="" w="9525">
+                <a14:hiddenLine xmlns="" xmlns:a14="http://schemas.microsoft.com/office/drawing/2010/main" w="9525">
                   <a:solidFill>
                     <a:srgbClr val="000000"/>
                   </a:solidFill>
@@ -2565,7 +2574,7 @@
             </a:ln>
             <a:extLst>
               <a:ext uri="{91240B29-F687-4f45-9708-019B960494DF}">
-                <a14:hiddenLine xmlns:a14="http://schemas.microsoft.com/office/drawing/2010/main" xmlns="" w="9525">
+                <a14:hiddenLine xmlns="" xmlns:a14="http://schemas.microsoft.com/office/drawing/2010/main" w="9525">
                   <a:solidFill>
                     <a:srgbClr val="000000"/>
                   </a:solidFill>
@@ -2655,7 +2664,7 @@
             </a:ln>
             <a:extLst>
               <a:ext uri="{91240B29-F687-4f45-9708-019B960494DF}">
-                <a14:hiddenLine xmlns:a14="http://schemas.microsoft.com/office/drawing/2010/main" xmlns="" w="9525">
+                <a14:hiddenLine xmlns="" xmlns:a14="http://schemas.microsoft.com/office/drawing/2010/main" w="9525">
                   <a:solidFill>
                     <a:srgbClr val="000000"/>
                   </a:solidFill>
@@ -2723,7 +2732,7 @@
             </a:ln>
             <a:extLst>
               <a:ext uri="{91240B29-F687-4f45-9708-019B960494DF}">
-                <a14:hiddenLine xmlns:a14="http://schemas.microsoft.com/office/drawing/2010/main" xmlns="" w="9525">
+                <a14:hiddenLine xmlns="" xmlns:a14="http://schemas.microsoft.com/office/drawing/2010/main" w="9525">
                   <a:solidFill>
                     <a:srgbClr val="000000"/>
                   </a:solidFill>
@@ -2785,7 +2794,7 @@
             </a:ln>
             <a:extLst>
               <a:ext uri="{91240B29-F687-4f45-9708-019B960494DF}">
-                <a14:hiddenLine xmlns:a14="http://schemas.microsoft.com/office/drawing/2010/main" xmlns="" w="9525">
+                <a14:hiddenLine xmlns="" xmlns:a14="http://schemas.microsoft.com/office/drawing/2010/main" w="9525">
                   <a:solidFill>
                     <a:srgbClr val="000000"/>
                   </a:solidFill>
@@ -2875,7 +2884,7 @@
             </a:ln>
             <a:extLst>
               <a:ext uri="{91240B29-F687-4f45-9708-019B960494DF}">
-                <a14:hiddenLine xmlns:a14="http://schemas.microsoft.com/office/drawing/2010/main" xmlns="" w="9525">
+                <a14:hiddenLine xmlns="" xmlns:a14="http://schemas.microsoft.com/office/drawing/2010/main" w="9525">
                   <a:solidFill>
                     <a:srgbClr val="000000"/>
                   </a:solidFill>
@@ -2937,7 +2946,7 @@
             </a:ln>
             <a:extLst>
               <a:ext uri="{91240B29-F687-4f45-9708-019B960494DF}">
-                <a14:hiddenLine xmlns:a14="http://schemas.microsoft.com/office/drawing/2010/main" xmlns="" w="9525">
+                <a14:hiddenLine xmlns="" xmlns:a14="http://schemas.microsoft.com/office/drawing/2010/main" w="9525">
                   <a:solidFill>
                     <a:srgbClr val="000000"/>
                   </a:solidFill>
@@ -3027,7 +3036,7 @@
             </a:ln>
             <a:extLst>
               <a:ext uri="{91240B29-F687-4f45-9708-019B960494DF}">
-                <a14:hiddenLine xmlns:a14="http://schemas.microsoft.com/office/drawing/2010/main" xmlns="" w="9525">
+                <a14:hiddenLine xmlns="" xmlns:a14="http://schemas.microsoft.com/office/drawing/2010/main" w="9525">
                   <a:solidFill>
                     <a:srgbClr val="000000"/>
                   </a:solidFill>
@@ -3089,7 +3098,7 @@
             </a:ln>
             <a:extLst>
               <a:ext uri="{91240B29-F687-4f45-9708-019B960494DF}">
-                <a14:hiddenLine xmlns:a14="http://schemas.microsoft.com/office/drawing/2010/main" xmlns="" w="9525">
+                <a14:hiddenLine xmlns="" xmlns:a14="http://schemas.microsoft.com/office/drawing/2010/main" w="9525">
                   <a:solidFill>
                     <a:srgbClr val="000000"/>
                   </a:solidFill>
@@ -3179,7 +3188,7 @@
             </a:ln>
             <a:extLst>
               <a:ext uri="{91240B29-F687-4f45-9708-019B960494DF}">
-                <a14:hiddenLine xmlns:a14="http://schemas.microsoft.com/office/drawing/2010/main" xmlns="" w="9525">
+                <a14:hiddenLine xmlns="" xmlns:a14="http://schemas.microsoft.com/office/drawing/2010/main" w="9525">
                   <a:solidFill>
                     <a:srgbClr val="000000"/>
                   </a:solidFill>
@@ -3213,7 +3222,7 @@
             </a:ln>
             <a:extLst>
               <a:ext uri="{91240B29-F687-4f45-9708-019B960494DF}">
-                <a14:hiddenLine xmlns:a14="http://schemas.microsoft.com/office/drawing/2010/main" xmlns="" w="9525">
+                <a14:hiddenLine xmlns="" xmlns:a14="http://schemas.microsoft.com/office/drawing/2010/main" w="9525">
                   <a:solidFill>
                     <a:srgbClr val="000000"/>
                   </a:solidFill>
@@ -3278,7 +3287,7 @@
             </a:ln>
             <a:extLst>
               <a:ext uri="{91240B29-F687-4f45-9708-019B960494DF}">
-                <a14:hiddenLine xmlns:a14="http://schemas.microsoft.com/office/drawing/2010/main" xmlns="" w="9525">
+                <a14:hiddenLine xmlns="" xmlns:a14="http://schemas.microsoft.com/office/drawing/2010/main" w="9525">
                   <a:solidFill>
                     <a:srgbClr val="000000"/>
                   </a:solidFill>
@@ -3368,7 +3377,7 @@
             </a:ln>
             <a:extLst>
               <a:ext uri="{91240B29-F687-4f45-9708-019B960494DF}">
-                <a14:hiddenLine xmlns:a14="http://schemas.microsoft.com/office/drawing/2010/main" xmlns="" w="9525">
+                <a14:hiddenLine xmlns="" xmlns:a14="http://schemas.microsoft.com/office/drawing/2010/main" w="9525">
                   <a:solidFill>
                     <a:srgbClr val="000000"/>
                   </a:solidFill>
@@ -3430,7 +3439,7 @@
             </a:ln>
             <a:extLst>
               <a:ext uri="{91240B29-F687-4f45-9708-019B960494DF}">
-                <a14:hiddenLine xmlns:a14="http://schemas.microsoft.com/office/drawing/2010/main" xmlns="" w="9525">
+                <a14:hiddenLine xmlns="" xmlns:a14="http://schemas.microsoft.com/office/drawing/2010/main" w="9525">
                   <a:solidFill>
                     <a:srgbClr val="000000"/>
                   </a:solidFill>
@@ -3520,7 +3529,7 @@
             </a:ln>
             <a:extLst>
               <a:ext uri="{91240B29-F687-4f45-9708-019B960494DF}">
-                <a14:hiddenLine xmlns:a14="http://schemas.microsoft.com/office/drawing/2010/main" xmlns="" w="9525">
+                <a14:hiddenLine xmlns="" xmlns:a14="http://schemas.microsoft.com/office/drawing/2010/main" w="9525">
                   <a:solidFill>
                     <a:srgbClr val="000000"/>
                   </a:solidFill>
@@ -3610,7 +3619,7 @@
             </a:ln>
             <a:extLst>
               <a:ext uri="{91240B29-F687-4f45-9708-019B960494DF}">
-                <a14:hiddenLine xmlns:a14="http://schemas.microsoft.com/office/drawing/2010/main" xmlns="" w="9525">
+                <a14:hiddenLine xmlns="" xmlns:a14="http://schemas.microsoft.com/office/drawing/2010/main" w="9525">
                   <a:solidFill>
                     <a:srgbClr val="000000"/>
                   </a:solidFill>
@@ -3675,7 +3684,7 @@
             </a:ln>
             <a:extLst>
               <a:ext uri="{91240B29-F687-4f45-9708-019B960494DF}">
-                <a14:hiddenLine xmlns:a14="http://schemas.microsoft.com/office/drawing/2010/main" xmlns="" w="9525">
+                <a14:hiddenLine xmlns="" xmlns:a14="http://schemas.microsoft.com/office/drawing/2010/main" w="9525">
                   <a:solidFill>
                     <a:srgbClr val="000000"/>
                   </a:solidFill>
@@ -3737,7 +3746,7 @@
             </a:ln>
             <a:extLst>
               <a:ext uri="{91240B29-F687-4f45-9708-019B960494DF}">
-                <a14:hiddenLine xmlns:a14="http://schemas.microsoft.com/office/drawing/2010/main" xmlns="" w="9525">
+                <a14:hiddenLine xmlns="" xmlns:a14="http://schemas.microsoft.com/office/drawing/2010/main" w="9525">
                   <a:solidFill>
                     <a:srgbClr val="000000"/>
                   </a:solidFill>
@@ -3827,7 +3836,7 @@
             </a:ln>
             <a:extLst>
               <a:ext uri="{91240B29-F687-4f45-9708-019B960494DF}">
-                <a14:hiddenLine xmlns:a14="http://schemas.microsoft.com/office/drawing/2010/main" xmlns="" w="9525">
+                <a14:hiddenLine xmlns="" xmlns:a14="http://schemas.microsoft.com/office/drawing/2010/main" w="9525">
                   <a:solidFill>
                     <a:srgbClr val="000000"/>
                   </a:solidFill>
@@ -3917,7 +3926,7 @@
             </a:ln>
             <a:extLst>
               <a:ext uri="{91240B29-F687-4f45-9708-019B960494DF}">
-                <a14:hiddenLine xmlns:a14="http://schemas.microsoft.com/office/drawing/2010/main" xmlns="" w="9525">
+                <a14:hiddenLine xmlns="" xmlns:a14="http://schemas.microsoft.com/office/drawing/2010/main" w="9525">
                   <a:solidFill>
                     <a:srgbClr val="000000"/>
                   </a:solidFill>
@@ -3979,7 +3988,7 @@
             </a:ln>
             <a:extLst>
               <a:ext uri="{91240B29-F687-4f45-9708-019B960494DF}">
-                <a14:hiddenLine xmlns:a14="http://schemas.microsoft.com/office/drawing/2010/main" xmlns="" w="9525">
+                <a14:hiddenLine xmlns="" xmlns:a14="http://schemas.microsoft.com/office/drawing/2010/main" w="9525">
                   <a:solidFill>
                     <a:srgbClr val="000000"/>
                   </a:solidFill>
@@ -4099,7 +4108,7 @@
             </a:ln>
             <a:extLst>
               <a:ext uri="{91240B29-F687-4f45-9708-019B960494DF}">
-                <a14:hiddenLine xmlns:a14="http://schemas.microsoft.com/office/drawing/2010/main" xmlns="" w="9525">
+                <a14:hiddenLine xmlns="" xmlns:a14="http://schemas.microsoft.com/office/drawing/2010/main" w="9525">
                   <a:solidFill>
                     <a:srgbClr val="000000"/>
                   </a:solidFill>
@@ -4167,7 +4176,7 @@
             </a:ln>
             <a:extLst>
               <a:ext uri="{91240B29-F687-4f45-9708-019B960494DF}">
-                <a14:hiddenLine xmlns:a14="http://schemas.microsoft.com/office/drawing/2010/main" xmlns="" w="9525">
+                <a14:hiddenLine xmlns="" xmlns:a14="http://schemas.microsoft.com/office/drawing/2010/main" w="9525">
                   <a:solidFill>
                     <a:srgbClr val="000000"/>
                   </a:solidFill>
@@ -4257,7 +4266,7 @@
             </a:ln>
             <a:extLst>
               <a:ext uri="{91240B29-F687-4f45-9708-019B960494DF}">
-                <a14:hiddenLine xmlns:a14="http://schemas.microsoft.com/office/drawing/2010/main" xmlns="" w="9525">
+                <a14:hiddenLine xmlns="" xmlns:a14="http://schemas.microsoft.com/office/drawing/2010/main" w="9525">
                   <a:solidFill>
                     <a:srgbClr val="000000"/>
                   </a:solidFill>
@@ -4397,7 +4406,7 @@
           <a:p>
             <a:fld id="{48A87A34-81AB-432B-8DAE-1953F412C126}" type="datetimeFigureOut">
               <a:rPr lang="en-US" dirty="0"/>
-              <a:t>5/7/2018</a:t>
+              <a:t>5/8/2018</a:t>
             </a:fld>
             <a:endParaRPr lang="en-US" dirty="0"/>
           </a:p>
@@ -4659,7 +4668,7 @@
           <a:p>
             <a:fld id="{48A87A34-81AB-432B-8DAE-1953F412C126}" type="datetimeFigureOut">
               <a:rPr lang="en-US" dirty="0"/>
-              <a:t>5/7/2018</a:t>
+              <a:t>5/8/2018</a:t>
             </a:fld>
             <a:endParaRPr lang="en-US" dirty="0"/>
           </a:p>
@@ -4850,7 +4859,7 @@
           <a:p>
             <a:fld id="{48A87A34-81AB-432B-8DAE-1953F412C126}" type="datetimeFigureOut">
               <a:rPr lang="en-US" dirty="0"/>
-              <a:t>5/7/2018</a:t>
+              <a:t>5/8/2018</a:t>
             </a:fld>
             <a:endParaRPr lang="en-US" dirty="0"/>
           </a:p>
@@ -5108,7 +5117,7 @@
           <a:p>
             <a:fld id="{48A87A34-81AB-432B-8DAE-1953F412C126}" type="datetimeFigureOut">
               <a:rPr lang="en-US" dirty="0"/>
-              <a:t>5/7/2018</a:t>
+              <a:t>5/8/2018</a:t>
             </a:fld>
             <a:endParaRPr lang="en-US" dirty="0"/>
           </a:p>
@@ -5537,7 +5546,7 @@
           <a:p>
             <a:fld id="{48A87A34-81AB-432B-8DAE-1953F412C126}" type="datetimeFigureOut">
               <a:rPr lang="en-US" dirty="0"/>
-              <a:t>5/7/2018</a:t>
+              <a:t>5/8/2018</a:t>
             </a:fld>
             <a:endParaRPr lang="en-US" dirty="0"/>
           </a:p>
@@ -6078,7 +6087,7 @@
           <a:p>
             <a:fld id="{48A87A34-81AB-432B-8DAE-1953F412C126}" type="datetimeFigureOut">
               <a:rPr lang="en-US" dirty="0"/>
-              <a:t>5/7/2018</a:t>
+              <a:t>5/8/2018</a:t>
             </a:fld>
             <a:endParaRPr lang="en-US" dirty="0"/>
           </a:p>
@@ -6793,7 +6802,7 @@
           <a:p>
             <a:fld id="{48A87A34-81AB-432B-8DAE-1953F412C126}" type="datetimeFigureOut">
               <a:rPr lang="en-US" dirty="0"/>
-              <a:t>5/7/2018</a:t>
+              <a:t>5/8/2018</a:t>
             </a:fld>
             <a:endParaRPr lang="en-US" dirty="0"/>
           </a:p>
@@ -6958,7 +6967,7 @@
           <a:p>
             <a:fld id="{48A87A34-81AB-432B-8DAE-1953F412C126}" type="datetimeFigureOut">
               <a:rPr lang="en-US" dirty="0"/>
-              <a:t>5/7/2018</a:t>
+              <a:t>5/8/2018</a:t>
             </a:fld>
             <a:endParaRPr lang="en-US" dirty="0"/>
           </a:p>
@@ -7133,7 +7142,7 @@
           <a:p>
             <a:fld id="{48A87A34-81AB-432B-8DAE-1953F412C126}" type="datetimeFigureOut">
               <a:rPr lang="en-US" dirty="0"/>
-              <a:t>5/7/2018</a:t>
+              <a:t>5/8/2018</a:t>
             </a:fld>
             <a:endParaRPr lang="en-US" dirty="0"/>
           </a:p>
@@ -7298,7 +7307,7 @@
           <a:p>
             <a:fld id="{48A87A34-81AB-432B-8DAE-1953F412C126}" type="datetimeFigureOut">
               <a:rPr lang="en-US" dirty="0"/>
-              <a:t>5/7/2018</a:t>
+              <a:t>5/8/2018</a:t>
             </a:fld>
             <a:endParaRPr lang="en-US" dirty="0"/>
           </a:p>
@@ -7543,7 +7552,7 @@
           <a:p>
             <a:fld id="{48A87A34-81AB-432B-8DAE-1953F412C126}" type="datetimeFigureOut">
               <a:rPr lang="en-US" dirty="0"/>
-              <a:t>5/7/2018</a:t>
+              <a:t>5/8/2018</a:t>
             </a:fld>
             <a:endParaRPr lang="en-US" dirty="0"/>
           </a:p>
@@ -7770,7 +7779,7 @@
           <a:p>
             <a:fld id="{48A87A34-81AB-432B-8DAE-1953F412C126}" type="datetimeFigureOut">
               <a:rPr lang="en-US" dirty="0"/>
-              <a:t>5/7/2018</a:t>
+              <a:t>5/8/2018</a:t>
             </a:fld>
             <a:endParaRPr lang="en-US" dirty="0"/>
           </a:p>
@@ -8146,7 +8155,7 @@
           <a:p>
             <a:fld id="{48A87A34-81AB-432B-8DAE-1953F412C126}" type="datetimeFigureOut">
               <a:rPr lang="en-US" dirty="0"/>
-              <a:t>5/7/2018</a:t>
+              <a:t>5/8/2018</a:t>
             </a:fld>
             <a:endParaRPr lang="en-US" dirty="0"/>
           </a:p>
@@ -8259,7 +8268,7 @@
           <a:p>
             <a:fld id="{48A87A34-81AB-432B-8DAE-1953F412C126}" type="datetimeFigureOut">
               <a:rPr lang="en-US" dirty="0"/>
-              <a:t>5/7/2018</a:t>
+              <a:t>5/8/2018</a:t>
             </a:fld>
             <a:endParaRPr lang="en-US" dirty="0"/>
           </a:p>
@@ -8349,7 +8358,7 @@
           <a:p>
             <a:fld id="{48A87A34-81AB-432B-8DAE-1953F412C126}" type="datetimeFigureOut">
               <a:rPr lang="en-US" dirty="0"/>
-              <a:t>5/7/2018</a:t>
+              <a:t>5/8/2018</a:t>
             </a:fld>
             <a:endParaRPr lang="en-US" dirty="0"/>
           </a:p>
@@ -8593,7 +8602,7 @@
           <a:p>
             <a:fld id="{48A87A34-81AB-432B-8DAE-1953F412C126}" type="datetimeFigureOut">
               <a:rPr lang="en-US" dirty="0"/>
-              <a:t>5/7/2018</a:t>
+              <a:t>5/8/2018</a:t>
             </a:fld>
             <a:endParaRPr lang="en-US" dirty="0"/>
           </a:p>
@@ -8868,7 +8877,7 @@
           <a:p>
             <a:fld id="{48A87A34-81AB-432B-8DAE-1953F412C126}" type="datetimeFigureOut">
               <a:rPr lang="en-US" dirty="0"/>
-              <a:t>5/7/2018</a:t>
+              <a:t>5/8/2018</a:t>
             </a:fld>
             <a:endParaRPr lang="en-US" dirty="0"/>
           </a:p>
@@ -8986,7 +8995,7 @@
           <a:noFill/>
           <a:extLst>
             <a:ext uri="{909E8E84-426E-40dd-AFC4-6F175D3DCCD1}">
-              <a14:hiddenFill xmlns:a14="http://schemas.microsoft.com/office/drawing/2010/main" xmlns="">
+              <a14:hiddenFill xmlns="" xmlns:a14="http://schemas.microsoft.com/office/drawing/2010/main">
                 <a:solidFill>
                   <a:srgbClr val="FFFFFF"/>
                 </a:solidFill>
@@ -9060,7 +9069,7 @@
               </a:ln>
               <a:extLst>
                 <a:ext uri="{91240B29-F687-4f45-9708-019B960494DF}">
-                  <a14:hiddenLine xmlns:a14="http://schemas.microsoft.com/office/drawing/2010/main" xmlns="" w="9525">
+                  <a14:hiddenLine xmlns="" xmlns:a14="http://schemas.microsoft.com/office/drawing/2010/main" w="9525">
                     <a:solidFill>
                       <a:srgbClr val="000000"/>
                     </a:solidFill>
@@ -9150,7 +9159,7 @@
               </a:ln>
               <a:extLst>
                 <a:ext uri="{91240B29-F687-4f45-9708-019B960494DF}">
-                  <a14:hiddenLine xmlns:a14="http://schemas.microsoft.com/office/drawing/2010/main" xmlns="" w="9525">
+                  <a14:hiddenLine xmlns="" xmlns:a14="http://schemas.microsoft.com/office/drawing/2010/main" w="9525">
                     <a:solidFill>
                       <a:srgbClr val="000000"/>
                     </a:solidFill>
@@ -9240,7 +9249,7 @@
               </a:ln>
               <a:extLst>
                 <a:ext uri="{91240B29-F687-4f45-9708-019B960494DF}">
-                  <a14:hiddenLine xmlns:a14="http://schemas.microsoft.com/office/drawing/2010/main" xmlns="" w="9525">
+                  <a14:hiddenLine xmlns="" xmlns:a14="http://schemas.microsoft.com/office/drawing/2010/main" w="9525">
                     <a:solidFill>
                       <a:srgbClr val="000000"/>
                     </a:solidFill>
@@ -9302,7 +9311,7 @@
               </a:ln>
               <a:extLst>
                 <a:ext uri="{91240B29-F687-4f45-9708-019B960494DF}">
-                  <a14:hiddenLine xmlns:a14="http://schemas.microsoft.com/office/drawing/2010/main" xmlns="" w="9525">
+                  <a14:hiddenLine xmlns="" xmlns:a14="http://schemas.microsoft.com/office/drawing/2010/main" w="9525">
                     <a:solidFill>
                       <a:srgbClr val="000000"/>
                     </a:solidFill>
@@ -9392,7 +9401,7 @@
               </a:ln>
               <a:extLst>
                 <a:ext uri="{91240B29-F687-4f45-9708-019B960494DF}">
-                  <a14:hiddenLine xmlns:a14="http://schemas.microsoft.com/office/drawing/2010/main" xmlns="" w="9525">
+                  <a14:hiddenLine xmlns="" xmlns:a14="http://schemas.microsoft.com/office/drawing/2010/main" w="9525">
                     <a:solidFill>
                       <a:srgbClr val="000000"/>
                     </a:solidFill>
@@ -9454,7 +9463,7 @@
               </a:ln>
               <a:extLst>
                 <a:ext uri="{91240B29-F687-4f45-9708-019B960494DF}">
-                  <a14:hiddenLine xmlns:a14="http://schemas.microsoft.com/office/drawing/2010/main" xmlns="" w="9525">
+                  <a14:hiddenLine xmlns="" xmlns:a14="http://schemas.microsoft.com/office/drawing/2010/main" w="9525">
                     <a:solidFill>
                       <a:srgbClr val="000000"/>
                     </a:solidFill>
@@ -9516,7 +9525,7 @@
               </a:ln>
               <a:extLst>
                 <a:ext uri="{91240B29-F687-4f45-9708-019B960494DF}">
-                  <a14:hiddenLine xmlns:a14="http://schemas.microsoft.com/office/drawing/2010/main" xmlns="" w="9525">
+                  <a14:hiddenLine xmlns="" xmlns:a14="http://schemas.microsoft.com/office/drawing/2010/main" w="9525">
                     <a:solidFill>
                       <a:srgbClr val="000000"/>
                     </a:solidFill>
@@ -9606,7 +9615,7 @@
               </a:ln>
               <a:extLst>
                 <a:ext uri="{91240B29-F687-4f45-9708-019B960494DF}">
-                  <a14:hiddenLine xmlns:a14="http://schemas.microsoft.com/office/drawing/2010/main" xmlns="" w="9525">
+                  <a14:hiddenLine xmlns="" xmlns:a14="http://schemas.microsoft.com/office/drawing/2010/main" w="9525">
                     <a:solidFill>
                       <a:srgbClr val="000000"/>
                     </a:solidFill>
@@ -9696,7 +9705,7 @@
               </a:ln>
               <a:extLst>
                 <a:ext uri="{91240B29-F687-4f45-9708-019B960494DF}">
-                  <a14:hiddenLine xmlns:a14="http://schemas.microsoft.com/office/drawing/2010/main" xmlns="" w="9525">
+                  <a14:hiddenLine xmlns="" xmlns:a14="http://schemas.microsoft.com/office/drawing/2010/main" w="9525">
                     <a:solidFill>
                       <a:srgbClr val="000000"/>
                     </a:solidFill>
@@ -9758,7 +9767,7 @@
               </a:ln>
               <a:extLst>
                 <a:ext uri="{91240B29-F687-4f45-9708-019B960494DF}">
-                  <a14:hiddenLine xmlns:a14="http://schemas.microsoft.com/office/drawing/2010/main" xmlns="" w="9525">
+                  <a14:hiddenLine xmlns="" xmlns:a14="http://schemas.microsoft.com/office/drawing/2010/main" w="9525">
                     <a:solidFill>
                       <a:srgbClr val="000000"/>
                     </a:solidFill>
@@ -9868,7 +9877,7 @@
               </a:ln>
               <a:extLst>
                 <a:ext uri="{91240B29-F687-4f45-9708-019B960494DF}">
-                  <a14:hiddenLine xmlns:a14="http://schemas.microsoft.com/office/drawing/2010/main" xmlns="" w="9525">
+                  <a14:hiddenLine xmlns="" xmlns:a14="http://schemas.microsoft.com/office/drawing/2010/main" w="9525">
                     <a:solidFill>
                       <a:srgbClr val="000000"/>
                     </a:solidFill>
@@ -9952,7 +9961,7 @@
               </a:ln>
               <a:extLst>
                 <a:ext uri="{91240B29-F687-4f45-9708-019B960494DF}">
-                  <a14:hiddenLine xmlns:a14="http://schemas.microsoft.com/office/drawing/2010/main" xmlns="" w="9525">
+                  <a14:hiddenLine xmlns="" xmlns:a14="http://schemas.microsoft.com/office/drawing/2010/main" w="9525">
                     <a:solidFill>
                       <a:srgbClr val="000000"/>
                     </a:solidFill>
@@ -10014,7 +10023,7 @@
               </a:ln>
               <a:extLst>
                 <a:ext uri="{91240B29-F687-4f45-9708-019B960494DF}">
-                  <a14:hiddenLine xmlns:a14="http://schemas.microsoft.com/office/drawing/2010/main" xmlns="" w="9525">
+                  <a14:hiddenLine xmlns="" xmlns:a14="http://schemas.microsoft.com/office/drawing/2010/main" w="9525">
                     <a:solidFill>
                       <a:srgbClr val="000000"/>
                     </a:solidFill>
@@ -10076,7 +10085,7 @@
               </a:ln>
               <a:extLst>
                 <a:ext uri="{91240B29-F687-4f45-9708-019B960494DF}">
-                  <a14:hiddenLine xmlns:a14="http://schemas.microsoft.com/office/drawing/2010/main" xmlns="" w="9525">
+                  <a14:hiddenLine xmlns="" xmlns:a14="http://schemas.microsoft.com/office/drawing/2010/main" w="9525">
                     <a:solidFill>
                       <a:srgbClr val="000000"/>
                     </a:solidFill>
@@ -10166,7 +10175,7 @@
               </a:ln>
               <a:extLst>
                 <a:ext uri="{91240B29-F687-4f45-9708-019B960494DF}">
-                  <a14:hiddenLine xmlns:a14="http://schemas.microsoft.com/office/drawing/2010/main" xmlns="" w="9525">
+                  <a14:hiddenLine xmlns="" xmlns:a14="http://schemas.microsoft.com/office/drawing/2010/main" w="9525">
                     <a:solidFill>
                       <a:srgbClr val="000000"/>
                     </a:solidFill>
@@ -10200,7 +10209,7 @@
               </a:ln>
               <a:extLst>
                 <a:ext uri="{91240B29-F687-4f45-9708-019B960494DF}">
-                  <a14:hiddenLine xmlns:a14="http://schemas.microsoft.com/office/drawing/2010/main" xmlns="" w="9525">
+                  <a14:hiddenLine xmlns="" xmlns:a14="http://schemas.microsoft.com/office/drawing/2010/main" w="9525">
                     <a:solidFill>
                       <a:srgbClr val="000000"/>
                     </a:solidFill>
@@ -10265,7 +10274,7 @@
               </a:ln>
               <a:extLst>
                 <a:ext uri="{91240B29-F687-4f45-9708-019B960494DF}">
-                  <a14:hiddenLine xmlns:a14="http://schemas.microsoft.com/office/drawing/2010/main" xmlns="" w="9525">
+                  <a14:hiddenLine xmlns="" xmlns:a14="http://schemas.microsoft.com/office/drawing/2010/main" w="9525">
                     <a:solidFill>
                       <a:srgbClr val="000000"/>
                     </a:solidFill>
@@ -10355,7 +10364,7 @@
               </a:ln>
               <a:extLst>
                 <a:ext uri="{91240B29-F687-4f45-9708-019B960494DF}">
-                  <a14:hiddenLine xmlns:a14="http://schemas.microsoft.com/office/drawing/2010/main" xmlns="" w="9525">
+                  <a14:hiddenLine xmlns="" xmlns:a14="http://schemas.microsoft.com/office/drawing/2010/main" w="9525">
                     <a:solidFill>
                       <a:srgbClr val="000000"/>
                     </a:solidFill>
@@ -10417,7 +10426,7 @@
               </a:ln>
               <a:extLst>
                 <a:ext uri="{91240B29-F687-4f45-9708-019B960494DF}">
-                  <a14:hiddenLine xmlns:a14="http://schemas.microsoft.com/office/drawing/2010/main" xmlns="" w="9525">
+                  <a14:hiddenLine xmlns="" xmlns:a14="http://schemas.microsoft.com/office/drawing/2010/main" w="9525">
                     <a:solidFill>
                       <a:srgbClr val="000000"/>
                     </a:solidFill>
@@ -10507,7 +10516,7 @@
               </a:ln>
               <a:extLst>
                 <a:ext uri="{91240B29-F687-4f45-9708-019B960494DF}">
-                  <a14:hiddenLine xmlns:a14="http://schemas.microsoft.com/office/drawing/2010/main" xmlns="" w="9525">
+                  <a14:hiddenLine xmlns="" xmlns:a14="http://schemas.microsoft.com/office/drawing/2010/main" w="9525">
                     <a:solidFill>
                       <a:srgbClr val="000000"/>
                     </a:solidFill>
@@ -10572,7 +10581,7 @@
               </a:ln>
               <a:extLst>
                 <a:ext uri="{91240B29-F687-4f45-9708-019B960494DF}">
-                  <a14:hiddenLine xmlns:a14="http://schemas.microsoft.com/office/drawing/2010/main" xmlns="" w="9525">
+                  <a14:hiddenLine xmlns="" xmlns:a14="http://schemas.microsoft.com/office/drawing/2010/main" w="9525">
                     <a:solidFill>
                       <a:srgbClr val="000000"/>
                     </a:solidFill>
@@ -10634,7 +10643,7 @@
               </a:ln>
               <a:extLst>
                 <a:ext uri="{91240B29-F687-4f45-9708-019B960494DF}">
-                  <a14:hiddenLine xmlns:a14="http://schemas.microsoft.com/office/drawing/2010/main" xmlns="" w="9525">
+                  <a14:hiddenLine xmlns="" xmlns:a14="http://schemas.microsoft.com/office/drawing/2010/main" w="9525">
                     <a:solidFill>
                       <a:srgbClr val="000000"/>
                     </a:solidFill>
@@ -10724,7 +10733,7 @@
               </a:ln>
               <a:extLst>
                 <a:ext uri="{91240B29-F687-4f45-9708-019B960494DF}">
-                  <a14:hiddenLine xmlns:a14="http://schemas.microsoft.com/office/drawing/2010/main" xmlns="" w="9525">
+                  <a14:hiddenLine xmlns="" xmlns:a14="http://schemas.microsoft.com/office/drawing/2010/main" w="9525">
                     <a:solidFill>
                       <a:srgbClr val="000000"/>
                     </a:solidFill>
@@ -10814,7 +10823,7 @@
               </a:ln>
               <a:extLst>
                 <a:ext uri="{91240B29-F687-4f45-9708-019B960494DF}">
-                  <a14:hiddenLine xmlns:a14="http://schemas.microsoft.com/office/drawing/2010/main" xmlns="" w="9525">
+                  <a14:hiddenLine xmlns="" xmlns:a14="http://schemas.microsoft.com/office/drawing/2010/main" w="9525">
                     <a:solidFill>
                       <a:srgbClr val="000000"/>
                     </a:solidFill>
@@ -10879,7 +10888,7 @@
               </a:ln>
               <a:extLst>
                 <a:ext uri="{91240B29-F687-4f45-9708-019B960494DF}">
-                  <a14:hiddenLine xmlns:a14="http://schemas.microsoft.com/office/drawing/2010/main" xmlns="" w="9525">
+                  <a14:hiddenLine xmlns="" xmlns:a14="http://schemas.microsoft.com/office/drawing/2010/main" w="9525">
                     <a:solidFill>
                       <a:srgbClr val="000000"/>
                     </a:solidFill>
@@ -10999,7 +11008,7 @@
               </a:ln>
               <a:extLst>
                 <a:ext uri="{91240B29-F687-4f45-9708-019B960494DF}">
-                  <a14:hiddenLine xmlns:a14="http://schemas.microsoft.com/office/drawing/2010/main" xmlns="" w="9525">
+                  <a14:hiddenLine xmlns="" xmlns:a14="http://schemas.microsoft.com/office/drawing/2010/main" w="9525">
                     <a:solidFill>
                       <a:srgbClr val="000000"/>
                     </a:solidFill>
@@ -11097,7 +11106,7 @@
               </a:ln>
               <a:extLst>
                 <a:ext uri="{91240B29-F687-4f45-9708-019B960494DF}">
-                  <a14:hiddenLine xmlns:a14="http://schemas.microsoft.com/office/drawing/2010/main" xmlns="" w="9525">
+                  <a14:hiddenLine xmlns="" xmlns:a14="http://schemas.microsoft.com/office/drawing/2010/main" w="9525">
                     <a:solidFill>
                       <a:srgbClr val="000000"/>
                     </a:solidFill>
@@ -11212,7 +11221,7 @@
               </a:ln>
               <a:extLst>
                 <a:ext uri="{91240B29-F687-4f45-9708-019B960494DF}">
-                  <a14:hiddenLine xmlns:a14="http://schemas.microsoft.com/office/drawing/2010/main" xmlns="" w="9525">
+                  <a14:hiddenLine xmlns="" xmlns:a14="http://schemas.microsoft.com/office/drawing/2010/main" w="9525">
                     <a:solidFill>
                       <a:srgbClr val="000000"/>
                     </a:solidFill>
@@ -11302,7 +11311,7 @@
               </a:ln>
               <a:extLst>
                 <a:ext uri="{91240B29-F687-4f45-9708-019B960494DF}">
-                  <a14:hiddenLine xmlns:a14="http://schemas.microsoft.com/office/drawing/2010/main" xmlns="" w="9525">
+                  <a14:hiddenLine xmlns="" xmlns:a14="http://schemas.microsoft.com/office/drawing/2010/main" w="9525">
                     <a:solidFill>
                       <a:srgbClr val="000000"/>
                     </a:solidFill>
@@ -11367,7 +11376,7 @@
               </a:ln>
               <a:extLst>
                 <a:ext uri="{91240B29-F687-4f45-9708-019B960494DF}">
-                  <a14:hiddenLine xmlns:a14="http://schemas.microsoft.com/office/drawing/2010/main" xmlns="" w="9525">
+                  <a14:hiddenLine xmlns="" xmlns:a14="http://schemas.microsoft.com/office/drawing/2010/main" w="9525">
                     <a:solidFill>
                       <a:srgbClr val="000000"/>
                     </a:solidFill>
@@ -11457,7 +11466,7 @@
               </a:ln>
               <a:extLst>
                 <a:ext uri="{91240B29-F687-4f45-9708-019B960494DF}">
-                  <a14:hiddenLine xmlns:a14="http://schemas.microsoft.com/office/drawing/2010/main" xmlns="" w="9525">
+                  <a14:hiddenLine xmlns="" xmlns:a14="http://schemas.microsoft.com/office/drawing/2010/main" w="9525">
                     <a:solidFill>
                       <a:srgbClr val="000000"/>
                     </a:solidFill>
@@ -11525,7 +11534,7 @@
               </a:ln>
               <a:extLst>
                 <a:ext uri="{91240B29-F687-4f45-9708-019B960494DF}">
-                  <a14:hiddenLine xmlns:a14="http://schemas.microsoft.com/office/drawing/2010/main" xmlns="" w="9525">
+                  <a14:hiddenLine xmlns="" xmlns:a14="http://schemas.microsoft.com/office/drawing/2010/main" w="9525">
                     <a:solidFill>
                       <a:srgbClr val="000000"/>
                     </a:solidFill>
@@ -11615,7 +11624,7 @@
               </a:ln>
               <a:extLst>
                 <a:ext uri="{91240B29-F687-4f45-9708-019B960494DF}">
-                  <a14:hiddenLine xmlns:a14="http://schemas.microsoft.com/office/drawing/2010/main" xmlns="" w="9525">
+                  <a14:hiddenLine xmlns="" xmlns:a14="http://schemas.microsoft.com/office/drawing/2010/main" w="9525">
                     <a:solidFill>
                       <a:srgbClr val="000000"/>
                     </a:solidFill>
@@ -11683,7 +11692,7 @@
               </a:ln>
               <a:extLst>
                 <a:ext uri="{91240B29-F687-4f45-9708-019B960494DF}">
-                  <a14:hiddenLine xmlns:a14="http://schemas.microsoft.com/office/drawing/2010/main" xmlns="" w="9525">
+                  <a14:hiddenLine xmlns="" xmlns:a14="http://schemas.microsoft.com/office/drawing/2010/main" w="9525">
                     <a:solidFill>
                       <a:srgbClr val="000000"/>
                     </a:solidFill>
@@ -11773,7 +11782,7 @@
               </a:ln>
               <a:extLst>
                 <a:ext uri="{91240B29-F687-4f45-9708-019B960494DF}">
-                  <a14:hiddenLine xmlns:a14="http://schemas.microsoft.com/office/drawing/2010/main" xmlns="" w="9525">
+                  <a14:hiddenLine xmlns="" xmlns:a14="http://schemas.microsoft.com/office/drawing/2010/main" w="9525">
                     <a:solidFill>
                       <a:srgbClr val="000000"/>
                     </a:solidFill>
@@ -11807,7 +11816,7 @@
               </a:ln>
               <a:extLst>
                 <a:ext uri="{91240B29-F687-4f45-9708-019B960494DF}">
-                  <a14:hiddenLine xmlns:a14="http://schemas.microsoft.com/office/drawing/2010/main" xmlns="" w="9525">
+                  <a14:hiddenLine xmlns="" xmlns:a14="http://schemas.microsoft.com/office/drawing/2010/main" w="9525">
                     <a:solidFill>
                       <a:srgbClr val="000000"/>
                     </a:solidFill>
@@ -11948,7 +11957,7 @@
             <a:fld id="{48A87A34-81AB-432B-8DAE-1953F412C126}" type="datetimeFigureOut">
               <a:rPr lang="en-US" dirty="0"/>
               <a:pPr/>
-              <a:t>5/7/2018</a:t>
+              <a:t>5/8/2018</a:t>
             </a:fld>
             <a:endParaRPr lang="en-US" dirty="0"/>
           </a:p>
@@ -12720,31 +12729,34 @@
           </a:p>
         </p:txBody>
       </p:sp>
-      <p:sp>
-        <p:nvSpPr>
-          <p:cNvPr id="3" name="Content Placeholder 2">
+      <p:pic>
+        <p:nvPicPr>
+          <p:cNvPr id="7" name="Content Placeholder 6">
             <a:extLst>
               <a:ext uri="{FF2B5EF4-FFF2-40B4-BE49-F238E27FC236}">
-                <a16:creationId xmlns:a16="http://schemas.microsoft.com/office/drawing/2014/main" id="{631D2A58-D892-4532-8395-D5A4B3E77235}"/>
+                <a16:creationId xmlns:a16="http://schemas.microsoft.com/office/drawing/2014/main" id="{9F5542B3-ACA1-4C5C-9B01-D845732CD24D}"/>
               </a:ext>
             </a:extLst>
           </p:cNvPr>
-          <p:cNvSpPr>
-            <a:spLocks noGrp="1"/>
-          </p:cNvSpPr>
+          <p:cNvPicPr>
+            <a:picLocks noGrp="1" noChangeAspect="1"/>
+          </p:cNvPicPr>
           <p:nvPr>
             <p:ph idx="1"/>
           </p:nvPr>
-        </p:nvSpPr>
-        <p:spPr/>
-        <p:txBody>
-          <a:bodyPr/>
-          <a:lstStyle/>
-          <a:p>
-            <a:endParaRPr lang="en-US"/>
-          </a:p>
-        </p:txBody>
-      </p:sp>
+        </p:nvPicPr>
+        <p:blipFill rotWithShape="1">
+          <a:blip r:embed="rId2"/>
+          <a:srcRect b="12877"/>
+          <a:stretch/>
+        </p:blipFill>
+        <p:spPr>
+          <a:xfrm>
+            <a:off x="1997555" y="1542362"/>
+            <a:ext cx="7357367" cy="5033666"/>
+          </a:xfrm>
+        </p:spPr>
+      </p:pic>
     </p:spTree>
     <p:extLst>
       <p:ext uri="{BB962C8B-B14F-4D97-AF65-F5344CB8AC3E}">
@@ -13077,10 +13089,66 @@
           <a:bodyPr/>
           <a:lstStyle/>
           <a:p>
-            <a:endParaRPr lang="en-US"/>
+            <a:r>
+              <a:rPr lang="en-US" dirty="0"/>
+              <a:t>I2C addressable LED DOT Matrix</a:t>
+            </a:r>
+          </a:p>
+          <a:p>
+            <a:r>
+              <a:rPr lang="en-US" dirty="0"/>
+              <a:t>Regular LED DOT Matrix</a:t>
+            </a:r>
           </a:p>
         </p:txBody>
       </p:sp>
+      <p:pic>
+        <p:nvPicPr>
+          <p:cNvPr id="1026" name="Picture 2" descr="keyestudio I2C 8x8 LED Matrix HT16K33 module for Arduino A/raspberry Pi/AVR/STM32">
+            <a:extLst>
+              <a:ext uri="{FF2B5EF4-FFF2-40B4-BE49-F238E27FC236}">
+                <a16:creationId xmlns:a16="http://schemas.microsoft.com/office/drawing/2014/main" id="{FAD606B4-FD42-468B-962B-0742D983D0F0}"/>
+              </a:ext>
+            </a:extLst>
+          </p:cNvPr>
+          <p:cNvPicPr>
+            <a:picLocks noChangeAspect="1" noChangeArrowheads="1"/>
+          </p:cNvPicPr>
+          <p:nvPr/>
+        </p:nvPicPr>
+        <p:blipFill>
+          <a:blip r:embed="rId2">
+            <a:extLst>
+              <a:ext uri="{28A0092B-C50C-407E-A947-70E740481C1C}">
+                <a14:useLocalDpi xmlns:a14="http://schemas.microsoft.com/office/drawing/2010/main" val="0"/>
+              </a:ext>
+            </a:extLst>
+          </a:blip>
+          <a:srcRect/>
+          <a:stretch>
+            <a:fillRect/>
+          </a:stretch>
+        </p:blipFill>
+        <p:spPr bwMode="auto">
+          <a:xfrm>
+            <a:off x="1811306" y="3669652"/>
+            <a:ext cx="2339262" cy="2339262"/>
+          </a:xfrm>
+          <a:prstGeom prst="rect">
+            <a:avLst/>
+          </a:prstGeom>
+          <a:noFill/>
+          <a:extLst>
+            <a:ext uri="{909E8E84-426E-40DD-AFC4-6F175D3DCCD1}">
+              <a14:hiddenFill xmlns:a14="http://schemas.microsoft.com/office/drawing/2010/main">
+                <a:solidFill>
+                  <a:srgbClr val="FFFFFF"/>
+                </a:solidFill>
+              </a14:hiddenFill>
+            </a:ext>
+          </a:extLst>
+        </p:spPr>
+      </p:pic>
     </p:spTree>
     <p:extLst>
       <p:ext uri="{BB962C8B-B14F-4D97-AF65-F5344CB8AC3E}">
